--- a/tutorials/pipelines/tut_a_fun_bud/vector files/fig01_01_small.pptx
+++ b/tutorials/pipelines/tut_a_fun_bud/vector files/fig01_01_small.pptx
@@ -243,7 +243,7 @@
           <a:p>
             <a:fld id="{CA1BB51F-BFC6-4DD3-8C2A-5B21FD6F69C3}" type="datetimeFigureOut">
               <a:rPr lang="en-SE" smtClean="0"/>
-              <a:t>2023-09-30</a:t>
+              <a:t>10/01/2023</a:t>
             </a:fld>
             <a:endParaRPr lang="en-SE"/>
           </a:p>
@@ -413,7 +413,7 @@
           <a:p>
             <a:fld id="{CA1BB51F-BFC6-4DD3-8C2A-5B21FD6F69C3}" type="datetimeFigureOut">
               <a:rPr lang="en-SE" smtClean="0"/>
-              <a:t>2023-09-30</a:t>
+              <a:t>10/01/2023</a:t>
             </a:fld>
             <a:endParaRPr lang="en-SE"/>
           </a:p>
@@ -593,7 +593,7 @@
           <a:p>
             <a:fld id="{CA1BB51F-BFC6-4DD3-8C2A-5B21FD6F69C3}" type="datetimeFigureOut">
               <a:rPr lang="en-SE" smtClean="0"/>
-              <a:t>2023-09-30</a:t>
+              <a:t>10/01/2023</a:t>
             </a:fld>
             <a:endParaRPr lang="en-SE"/>
           </a:p>
@@ -763,7 +763,7 @@
           <a:p>
             <a:fld id="{CA1BB51F-BFC6-4DD3-8C2A-5B21FD6F69C3}" type="datetimeFigureOut">
               <a:rPr lang="en-SE" smtClean="0"/>
-              <a:t>2023-09-30</a:t>
+              <a:t>10/01/2023</a:t>
             </a:fld>
             <a:endParaRPr lang="en-SE"/>
           </a:p>
@@ -1007,7 +1007,7 @@
           <a:p>
             <a:fld id="{CA1BB51F-BFC6-4DD3-8C2A-5B21FD6F69C3}" type="datetimeFigureOut">
               <a:rPr lang="en-SE" smtClean="0"/>
-              <a:t>2023-09-30</a:t>
+              <a:t>10/01/2023</a:t>
             </a:fld>
             <a:endParaRPr lang="en-SE"/>
           </a:p>
@@ -1239,7 +1239,7 @@
           <a:p>
             <a:fld id="{CA1BB51F-BFC6-4DD3-8C2A-5B21FD6F69C3}" type="datetimeFigureOut">
               <a:rPr lang="en-SE" smtClean="0"/>
-              <a:t>2023-09-30</a:t>
+              <a:t>10/01/2023</a:t>
             </a:fld>
             <a:endParaRPr lang="en-SE"/>
           </a:p>
@@ -1606,7 +1606,7 @@
           <a:p>
             <a:fld id="{CA1BB51F-BFC6-4DD3-8C2A-5B21FD6F69C3}" type="datetimeFigureOut">
               <a:rPr lang="en-SE" smtClean="0"/>
-              <a:t>2023-09-30</a:t>
+              <a:t>10/01/2023</a:t>
             </a:fld>
             <a:endParaRPr lang="en-SE"/>
           </a:p>
@@ -1724,7 +1724,7 @@
           <a:p>
             <a:fld id="{CA1BB51F-BFC6-4DD3-8C2A-5B21FD6F69C3}" type="datetimeFigureOut">
               <a:rPr lang="en-SE" smtClean="0"/>
-              <a:t>2023-09-30</a:t>
+              <a:t>10/01/2023</a:t>
             </a:fld>
             <a:endParaRPr lang="en-SE"/>
           </a:p>
@@ -1819,7 +1819,7 @@
           <a:p>
             <a:fld id="{CA1BB51F-BFC6-4DD3-8C2A-5B21FD6F69C3}" type="datetimeFigureOut">
               <a:rPr lang="en-SE" smtClean="0"/>
-              <a:t>2023-09-30</a:t>
+              <a:t>10/01/2023</a:t>
             </a:fld>
             <a:endParaRPr lang="en-SE"/>
           </a:p>
@@ -2096,7 +2096,7 @@
           <a:p>
             <a:fld id="{CA1BB51F-BFC6-4DD3-8C2A-5B21FD6F69C3}" type="datetimeFigureOut">
               <a:rPr lang="en-SE" smtClean="0"/>
-              <a:t>2023-09-30</a:t>
+              <a:t>10/01/2023</a:t>
             </a:fld>
             <a:endParaRPr lang="en-SE"/>
           </a:p>
@@ -2353,7 +2353,7 @@
           <a:p>
             <a:fld id="{CA1BB51F-BFC6-4DD3-8C2A-5B21FD6F69C3}" type="datetimeFigureOut">
               <a:rPr lang="en-SE" smtClean="0"/>
-              <a:t>2023-09-30</a:t>
+              <a:t>10/01/2023</a:t>
             </a:fld>
             <a:endParaRPr lang="en-SE"/>
           </a:p>
@@ -2566,7 +2566,7 @@
           <a:p>
             <a:fld id="{CA1BB51F-BFC6-4DD3-8C2A-5B21FD6F69C3}" type="datetimeFigureOut">
               <a:rPr lang="en-SE" smtClean="0"/>
-              <a:t>2023-09-30</a:t>
+              <a:t>10/01/2023</a:t>
             </a:fld>
             <a:endParaRPr lang="en-SE"/>
           </a:p>
@@ -2973,10 +2973,10 @@
       </p:grpSpPr>
       <p:pic>
         <p:nvPicPr>
-          <p:cNvPr id="7" name="Picture 6">
+          <p:cNvPr id="3" name="Picture 2">
             <a:extLst>
               <a:ext uri="{FF2B5EF4-FFF2-40B4-BE49-F238E27FC236}">
-                <a16:creationId xmlns:a16="http://schemas.microsoft.com/office/drawing/2014/main" id="{78314BD1-DCA5-F49B-1A7D-DC7B21D0FA3B}"/>
+                <a16:creationId xmlns:a16="http://schemas.microsoft.com/office/drawing/2014/main" id="{1243C62C-A1D5-E6C3-E22A-B48DE47BFCA6}"/>
               </a:ext>
             </a:extLst>
           </p:cNvPr>
@@ -2987,13 +2987,13 @@
         </p:nvPicPr>
         <p:blipFill rotWithShape="1">
           <a:blip r:embed="rId2"/>
-          <a:srcRect l="27390" t="15913" r="28376" b="7358"/>
+          <a:srcRect l="8468" t="17971" r="4488" b="10294"/>
           <a:stretch/>
         </p:blipFill>
         <p:spPr>
           <a:xfrm>
-            <a:off x="372028" y="22539"/>
-            <a:ext cx="1389544" cy="1683710"/>
+            <a:off x="381943" y="-2668"/>
+            <a:ext cx="1369713" cy="1731456"/>
           </a:xfrm>
           <a:prstGeom prst="rect">
             <a:avLst/>
